--- a/images/chap1/Chapter 1.pptx
+++ b/images/chap1/Chapter 1.pptx
@@ -5,7 +5,7 @@
     <p:sldMasterId id="2147483648" r:id="rId1"/>
   </p:sldMasterIdLst>
   <p:notesMasterIdLst>
-    <p:notesMasterId r:id="rId26"/>
+    <p:notesMasterId r:id="rId29"/>
   </p:notesMasterIdLst>
   <p:sldIdLst>
     <p:sldId id="258" r:id="rId2"/>
@@ -32,6 +32,9 @@
     <p:sldId id="278" r:id="rId23"/>
     <p:sldId id="279" r:id="rId24"/>
     <p:sldId id="280" r:id="rId25"/>
+    <p:sldId id="281" r:id="rId26"/>
+    <p:sldId id="282" r:id="rId27"/>
+    <p:sldId id="369" r:id="rId28"/>
   </p:sldIdLst>
   <p:sldSz cx="12192000" cy="6858000"/>
   <p:notesSz cx="6858000" cy="9144000"/>
@@ -130,6 +133,11 @@
       </a:defRPr>
     </a:lvl9pPr>
   </p:defaultTextStyle>
+  <p:extLst>
+    <p:ext uri="{EFAFB233-063F-42B5-8137-9DF3F51BA10A}">
+      <p15:sldGuideLst xmlns:p15="http://schemas.microsoft.com/office/powerpoint/2012/main"/>
+    </p:ext>
+  </p:extLst>
 </p:presentation>
 </file>
 
@@ -215,7 +223,7 @@
           <a:p>
             <a:fld id="{AC0768D6-2E6E-4157-A13B-D379C049F4C6}" type="datetimeFigureOut">
               <a:rPr lang="ko-KR" altLang="en-US" smtClean="0"/>
-              <a:t>2021-07-16</a:t>
+              <a:t>2021-09-07</a:t>
             </a:fld>
             <a:endParaRPr lang="ko-KR" altLang="en-US"/>
           </a:p>
@@ -629,7 +637,7 @@
           <a:p>
             <a:fld id="{7D0EF1AE-9731-4A4C-AA7D-99F2D800E4F1}" type="datetimeFigureOut">
               <a:rPr lang="ko-KR" altLang="en-US" smtClean="0"/>
-              <a:t>2021-07-16</a:t>
+              <a:t>2021-09-07</a:t>
             </a:fld>
             <a:endParaRPr lang="ko-KR" altLang="en-US"/>
           </a:p>
@@ -827,7 +835,7 @@
           <a:p>
             <a:fld id="{7D0EF1AE-9731-4A4C-AA7D-99F2D800E4F1}" type="datetimeFigureOut">
               <a:rPr lang="ko-KR" altLang="en-US" smtClean="0"/>
-              <a:t>2021-07-16</a:t>
+              <a:t>2021-09-07</a:t>
             </a:fld>
             <a:endParaRPr lang="ko-KR" altLang="en-US"/>
           </a:p>
@@ -1035,7 +1043,7 @@
           <a:p>
             <a:fld id="{7D0EF1AE-9731-4A4C-AA7D-99F2D800E4F1}" type="datetimeFigureOut">
               <a:rPr lang="ko-KR" altLang="en-US" smtClean="0"/>
-              <a:t>2021-07-16</a:t>
+              <a:t>2021-09-07</a:t>
             </a:fld>
             <a:endParaRPr lang="ko-KR" altLang="en-US"/>
           </a:p>
@@ -1233,7 +1241,7 @@
           <a:p>
             <a:fld id="{7D0EF1AE-9731-4A4C-AA7D-99F2D800E4F1}" type="datetimeFigureOut">
               <a:rPr lang="ko-KR" altLang="en-US" smtClean="0"/>
-              <a:t>2021-07-16</a:t>
+              <a:t>2021-09-07</a:t>
             </a:fld>
             <a:endParaRPr lang="ko-KR" altLang="en-US"/>
           </a:p>
@@ -1508,7 +1516,7 @@
           <a:p>
             <a:fld id="{7D0EF1AE-9731-4A4C-AA7D-99F2D800E4F1}" type="datetimeFigureOut">
               <a:rPr lang="ko-KR" altLang="en-US" smtClean="0"/>
-              <a:t>2021-07-16</a:t>
+              <a:t>2021-09-07</a:t>
             </a:fld>
             <a:endParaRPr lang="ko-KR" altLang="en-US"/>
           </a:p>
@@ -1773,7 +1781,7 @@
           <a:p>
             <a:fld id="{7D0EF1AE-9731-4A4C-AA7D-99F2D800E4F1}" type="datetimeFigureOut">
               <a:rPr lang="ko-KR" altLang="en-US" smtClean="0"/>
-              <a:t>2021-07-16</a:t>
+              <a:t>2021-09-07</a:t>
             </a:fld>
             <a:endParaRPr lang="ko-KR" altLang="en-US"/>
           </a:p>
@@ -2185,7 +2193,7 @@
           <a:p>
             <a:fld id="{7D0EF1AE-9731-4A4C-AA7D-99F2D800E4F1}" type="datetimeFigureOut">
               <a:rPr lang="ko-KR" altLang="en-US" smtClean="0"/>
-              <a:t>2021-07-16</a:t>
+              <a:t>2021-09-07</a:t>
             </a:fld>
             <a:endParaRPr lang="ko-KR" altLang="en-US"/>
           </a:p>
@@ -2326,7 +2334,7 @@
           <a:p>
             <a:fld id="{7D0EF1AE-9731-4A4C-AA7D-99F2D800E4F1}" type="datetimeFigureOut">
               <a:rPr lang="ko-KR" altLang="en-US" smtClean="0"/>
-              <a:t>2021-07-16</a:t>
+              <a:t>2021-09-07</a:t>
             </a:fld>
             <a:endParaRPr lang="ko-KR" altLang="en-US"/>
           </a:p>
@@ -2439,7 +2447,7 @@
           <a:p>
             <a:fld id="{7D0EF1AE-9731-4A4C-AA7D-99F2D800E4F1}" type="datetimeFigureOut">
               <a:rPr lang="ko-KR" altLang="en-US" smtClean="0"/>
-              <a:t>2021-07-16</a:t>
+              <a:t>2021-09-07</a:t>
             </a:fld>
             <a:endParaRPr lang="ko-KR" altLang="en-US"/>
           </a:p>
@@ -2750,7 +2758,7 @@
           <a:p>
             <a:fld id="{7D0EF1AE-9731-4A4C-AA7D-99F2D800E4F1}" type="datetimeFigureOut">
               <a:rPr lang="ko-KR" altLang="en-US" smtClean="0"/>
-              <a:t>2021-07-16</a:t>
+              <a:t>2021-09-07</a:t>
             </a:fld>
             <a:endParaRPr lang="ko-KR" altLang="en-US"/>
           </a:p>
@@ -3038,7 +3046,7 @@
           <a:p>
             <a:fld id="{7D0EF1AE-9731-4A4C-AA7D-99F2D800E4F1}" type="datetimeFigureOut">
               <a:rPr lang="ko-KR" altLang="en-US" smtClean="0"/>
-              <a:t>2021-07-16</a:t>
+              <a:t>2021-09-07</a:t>
             </a:fld>
             <a:endParaRPr lang="ko-KR" altLang="en-US"/>
           </a:p>
@@ -3279,7 +3287,7 @@
           <a:p>
             <a:fld id="{7D0EF1AE-9731-4A4C-AA7D-99F2D800E4F1}" type="datetimeFigureOut">
               <a:rPr lang="ko-KR" altLang="en-US" smtClean="0"/>
-              <a:t>2021-07-16</a:t>
+              <a:t>2021-09-07</a:t>
             </a:fld>
             <a:endParaRPr lang="ko-KR" altLang="en-US"/>
           </a:p>
@@ -7992,6 +8000,2026 @@
 </p:sld>
 </file>
 
+<file path=ppt/slides/slide25.xml><?xml version="1.0" encoding="utf-8"?>
+<p:sld xmlns:a="http://schemas.openxmlformats.org/drawingml/2006/main" xmlns:r="http://schemas.openxmlformats.org/officeDocument/2006/relationships" xmlns:p="http://schemas.openxmlformats.org/presentationml/2006/main">
+  <p:cSld>
+    <p:spTree>
+      <p:nvGrpSpPr>
+        <p:cNvPr id="1" name=""/>
+        <p:cNvGrpSpPr/>
+        <p:nvPr/>
+      </p:nvGrpSpPr>
+      <p:grpSpPr>
+        <a:xfrm>
+          <a:off x="0" y="0"/>
+          <a:ext cx="0" cy="0"/>
+          <a:chOff x="0" y="0"/>
+          <a:chExt cx="0" cy="0"/>
+        </a:xfrm>
+      </p:grpSpPr>
+      <p:sp>
+        <p:nvSpPr>
+          <p:cNvPr id="2" name="TextBox 1">
+            <a:extLst>
+              <a:ext uri="{FF2B5EF4-FFF2-40B4-BE49-F238E27FC236}">
+                <a16:creationId xmlns:a16="http://schemas.microsoft.com/office/drawing/2014/main" id="{F20AB9DB-0BF7-469A-9B58-61A4104EACBB}"/>
+              </a:ext>
+            </a:extLst>
+          </p:cNvPr>
+          <p:cNvSpPr txBox="1"/>
+          <p:nvPr/>
+        </p:nvSpPr>
+        <p:spPr>
+          <a:xfrm>
+            <a:off x="1047405" y="541027"/>
+            <a:ext cx="10174778" cy="677108"/>
+          </a:xfrm>
+          <a:prstGeom prst="rect">
+            <a:avLst/>
+          </a:prstGeom>
+          <a:solidFill>
+            <a:schemeClr val="accent4">
+              <a:lumMod val="20000"/>
+              <a:lumOff val="80000"/>
+            </a:schemeClr>
+          </a:solidFill>
+        </p:spPr>
+        <p:txBody>
+          <a:bodyPr wrap="square" rtlCol="0">
+            <a:spAutoFit/>
+          </a:bodyPr>
+          <a:lstStyle/>
+          <a:p>
+            <a:pPr algn="ctr"/>
+            <a:r>
+              <a:rPr lang="en-US" altLang="ko-KR" sz="2000" b="1" dirty="0"/>
+              <a:t>Python JSON Parsing</a:t>
+            </a:r>
+            <a:r>
+              <a:rPr lang="en-US" altLang="ko-KR" dirty="0"/>
+              <a:t>: </a:t>
+            </a:r>
+          </a:p>
+          <a:p>
+            <a:pPr algn="ctr"/>
+            <a:r>
+              <a:rPr lang="en-US" altLang="ko-KR" dirty="0">
+                <a:solidFill>
+                  <a:srgbClr val="C00000"/>
+                </a:solidFill>
+              </a:rPr>
+              <a:t>Decode</a:t>
+            </a:r>
+            <a:r>
+              <a:rPr lang="en-US" altLang="ko-KR" dirty="0"/>
+              <a:t> JSON using </a:t>
+            </a:r>
+            <a:r>
+              <a:rPr lang="en-US" altLang="ko-KR" b="1" dirty="0">
+                <a:latin typeface="Consolas" panose="020B0609020204030204" pitchFamily="49" charset="0"/>
+              </a:rPr>
+              <a:t>load() </a:t>
+            </a:r>
+            <a:r>
+              <a:rPr lang="en-US" altLang="ko-KR" dirty="0"/>
+              <a:t>&amp; </a:t>
+            </a:r>
+            <a:r>
+              <a:rPr lang="en-US" altLang="ko-KR" b="1" dirty="0"/>
+              <a:t>loads()</a:t>
+            </a:r>
+            <a:endParaRPr lang="ko-KR" altLang="en-US" b="1" dirty="0"/>
+          </a:p>
+        </p:txBody>
+      </p:sp>
+      <p:cxnSp>
+        <p:nvCxnSpPr>
+          <p:cNvPr id="6" name="직선 연결선 5">
+            <a:extLst>
+              <a:ext uri="{FF2B5EF4-FFF2-40B4-BE49-F238E27FC236}">
+                <a16:creationId xmlns:a16="http://schemas.microsoft.com/office/drawing/2014/main" id="{3357E2FF-541C-4D6B-ACB2-F758786682ED}"/>
+              </a:ext>
+            </a:extLst>
+          </p:cNvPr>
+          <p:cNvCxnSpPr>
+            <a:cxnSpLocks/>
+          </p:cNvCxnSpPr>
+          <p:nvPr/>
+        </p:nvCxnSpPr>
+        <p:spPr>
+          <a:xfrm>
+            <a:off x="6096000" y="1532435"/>
+            <a:ext cx="0" cy="4991935"/>
+          </a:xfrm>
+          <a:prstGeom prst="line">
+            <a:avLst/>
+          </a:prstGeom>
+        </p:spPr>
+        <p:style>
+          <a:lnRef idx="1">
+            <a:schemeClr val="accent1"/>
+          </a:lnRef>
+          <a:fillRef idx="0">
+            <a:schemeClr val="accent1"/>
+          </a:fillRef>
+          <a:effectRef idx="0">
+            <a:schemeClr val="accent1"/>
+          </a:effectRef>
+          <a:fontRef idx="minor">
+            <a:schemeClr val="tx1"/>
+          </a:fontRef>
+        </p:style>
+      </p:cxnSp>
+      <p:sp>
+        <p:nvSpPr>
+          <p:cNvPr id="21" name="사각형: 위쪽 모서리의 한쪽은 둥글고 다른 한쪽은 잘림 20">
+            <a:extLst>
+              <a:ext uri="{FF2B5EF4-FFF2-40B4-BE49-F238E27FC236}">
+                <a16:creationId xmlns:a16="http://schemas.microsoft.com/office/drawing/2014/main" id="{58FB0EB4-602B-427E-BCF5-CA510615D4A7}"/>
+              </a:ext>
+            </a:extLst>
+          </p:cNvPr>
+          <p:cNvSpPr/>
+          <p:nvPr/>
+        </p:nvSpPr>
+        <p:spPr>
+          <a:xfrm flipV="1">
+            <a:off x="1870991" y="2409563"/>
+            <a:ext cx="3179213" cy="1506317"/>
+          </a:xfrm>
+          <a:prstGeom prst="snipRoundRect">
+            <a:avLst/>
+          </a:prstGeom>
+          <a:solidFill>
+            <a:schemeClr val="bg1">
+              <a:lumMod val="95000"/>
+            </a:schemeClr>
+          </a:solidFill>
+        </p:spPr>
+        <p:style>
+          <a:lnRef idx="2">
+            <a:schemeClr val="accent1">
+              <a:shade val="50000"/>
+            </a:schemeClr>
+          </a:lnRef>
+          <a:fillRef idx="1">
+            <a:schemeClr val="accent1"/>
+          </a:fillRef>
+          <a:effectRef idx="0">
+            <a:schemeClr val="accent1"/>
+          </a:effectRef>
+          <a:fontRef idx="minor">
+            <a:schemeClr val="lt1"/>
+          </a:fontRef>
+        </p:style>
+        <p:txBody>
+          <a:bodyPr rtlCol="0" anchor="ctr"/>
+          <a:lstStyle/>
+          <a:p>
+            <a:pPr algn="ctr"/>
+            <a:endParaRPr lang="ko-KR" altLang="en-US"/>
+          </a:p>
+        </p:txBody>
+      </p:sp>
+      <p:sp>
+        <p:nvSpPr>
+          <p:cNvPr id="23" name="TextBox 22">
+            <a:extLst>
+              <a:ext uri="{FF2B5EF4-FFF2-40B4-BE49-F238E27FC236}">
+                <a16:creationId xmlns:a16="http://schemas.microsoft.com/office/drawing/2014/main" id="{7A34F43D-DB44-4B14-B1D1-C4101C8BEC96}"/>
+              </a:ext>
+            </a:extLst>
+          </p:cNvPr>
+          <p:cNvSpPr txBox="1"/>
+          <p:nvPr/>
+        </p:nvSpPr>
+        <p:spPr>
+          <a:xfrm>
+            <a:off x="2221511" y="1629184"/>
+            <a:ext cx="2125360" cy="369332"/>
+          </a:xfrm>
+          <a:prstGeom prst="rect">
+            <a:avLst/>
+          </a:prstGeom>
+          <a:noFill/>
+        </p:spPr>
+        <p:txBody>
+          <a:bodyPr wrap="square">
+            <a:spAutoFit/>
+          </a:bodyPr>
+          <a:lstStyle/>
+          <a:p>
+            <a:pPr algn="ctr"/>
+            <a:r>
+              <a:rPr lang="en-US" altLang="ko-KR" b="1" dirty="0" err="1">
+                <a:latin typeface="Consolas" panose="020B0609020204030204" pitchFamily="49" charset="0"/>
+              </a:rPr>
+              <a:t>json.load</a:t>
+            </a:r>
+            <a:r>
+              <a:rPr lang="en-US" altLang="ko-KR" b="1" dirty="0">
+                <a:latin typeface="Consolas" panose="020B0609020204030204" pitchFamily="49" charset="0"/>
+              </a:rPr>
+              <a:t>() </a:t>
+            </a:r>
+            <a:endParaRPr lang="ko-KR" altLang="en-US" b="1" dirty="0">
+              <a:latin typeface="Consolas" panose="020B0609020204030204" pitchFamily="49" charset="0"/>
+            </a:endParaRPr>
+          </a:p>
+        </p:txBody>
+      </p:sp>
+      <p:sp>
+        <p:nvSpPr>
+          <p:cNvPr id="24" name="TextBox 23">
+            <a:extLst>
+              <a:ext uri="{FF2B5EF4-FFF2-40B4-BE49-F238E27FC236}">
+                <a16:creationId xmlns:a16="http://schemas.microsoft.com/office/drawing/2014/main" id="{D0A9E8A9-C99F-4E5D-BD58-45113673E5DF}"/>
+              </a:ext>
+            </a:extLst>
+          </p:cNvPr>
+          <p:cNvSpPr txBox="1"/>
+          <p:nvPr/>
+        </p:nvSpPr>
+        <p:spPr>
+          <a:xfrm>
+            <a:off x="7845130" y="1621818"/>
+            <a:ext cx="2125360" cy="369332"/>
+          </a:xfrm>
+          <a:prstGeom prst="rect">
+            <a:avLst/>
+          </a:prstGeom>
+          <a:noFill/>
+        </p:spPr>
+        <p:txBody>
+          <a:bodyPr wrap="square">
+            <a:spAutoFit/>
+          </a:bodyPr>
+          <a:lstStyle/>
+          <a:p>
+            <a:pPr algn="ctr"/>
+            <a:r>
+              <a:rPr lang="en-US" altLang="ko-KR" b="1" dirty="0" err="1">
+                <a:latin typeface="Consolas" panose="020B0609020204030204" pitchFamily="49" charset="0"/>
+              </a:rPr>
+              <a:t>json.loads</a:t>
+            </a:r>
+            <a:r>
+              <a:rPr lang="en-US" altLang="ko-KR" b="1" dirty="0">
+                <a:latin typeface="Consolas" panose="020B0609020204030204" pitchFamily="49" charset="0"/>
+              </a:rPr>
+              <a:t>() </a:t>
+            </a:r>
+            <a:endParaRPr lang="ko-KR" altLang="en-US" b="1" dirty="0">
+              <a:latin typeface="Consolas" panose="020B0609020204030204" pitchFamily="49" charset="0"/>
+            </a:endParaRPr>
+          </a:p>
+        </p:txBody>
+      </p:sp>
+      <p:sp>
+        <p:nvSpPr>
+          <p:cNvPr id="25" name="TextBox 24">
+            <a:extLst>
+              <a:ext uri="{FF2B5EF4-FFF2-40B4-BE49-F238E27FC236}">
+                <a16:creationId xmlns:a16="http://schemas.microsoft.com/office/drawing/2014/main" id="{BDB0F895-2CAE-468E-81E8-EE56FDEB747E}"/>
+              </a:ext>
+            </a:extLst>
+          </p:cNvPr>
+          <p:cNvSpPr txBox="1"/>
+          <p:nvPr/>
+        </p:nvSpPr>
+        <p:spPr>
+          <a:xfrm>
+            <a:off x="1600351" y="2427979"/>
+            <a:ext cx="2125360" cy="338554"/>
+          </a:xfrm>
+          <a:prstGeom prst="rect">
+            <a:avLst/>
+          </a:prstGeom>
+          <a:noFill/>
+        </p:spPr>
+        <p:txBody>
+          <a:bodyPr wrap="square">
+            <a:spAutoFit/>
+          </a:bodyPr>
+          <a:lstStyle/>
+          <a:p>
+            <a:pPr algn="ctr"/>
+            <a:r>
+              <a:rPr lang="en-US" altLang="ko-KR" sz="1600" b="1" dirty="0" err="1">
+                <a:latin typeface="Consolas" panose="020B0609020204030204" pitchFamily="49" charset="0"/>
+              </a:rPr>
+              <a:t>students.json</a:t>
+            </a:r>
+            <a:endParaRPr lang="ko-KR" altLang="en-US" sz="1600" b="1" dirty="0">
+              <a:latin typeface="Consolas" panose="020B0609020204030204" pitchFamily="49" charset="0"/>
+            </a:endParaRPr>
+          </a:p>
+        </p:txBody>
+      </p:sp>
+      <p:sp>
+        <p:nvSpPr>
+          <p:cNvPr id="26" name="TextBox 25">
+            <a:extLst>
+              <a:ext uri="{FF2B5EF4-FFF2-40B4-BE49-F238E27FC236}">
+                <a16:creationId xmlns:a16="http://schemas.microsoft.com/office/drawing/2014/main" id="{E03FF21B-8FBA-4D78-A6EB-C2377A047F3B}"/>
+              </a:ext>
+            </a:extLst>
+          </p:cNvPr>
+          <p:cNvSpPr txBox="1"/>
+          <p:nvPr/>
+        </p:nvSpPr>
+        <p:spPr>
+          <a:xfrm>
+            <a:off x="1047404" y="2426282"/>
+            <a:ext cx="762512" cy="523220"/>
+          </a:xfrm>
+          <a:prstGeom prst="rect">
+            <a:avLst/>
+          </a:prstGeom>
+          <a:solidFill>
+            <a:schemeClr val="accent4"/>
+          </a:solidFill>
+        </p:spPr>
+        <p:txBody>
+          <a:bodyPr wrap="square">
+            <a:spAutoFit/>
+          </a:bodyPr>
+          <a:lstStyle/>
+          <a:p>
+            <a:pPr algn="ctr"/>
+            <a:r>
+              <a:rPr lang="en-US" altLang="ko-KR" sz="1400" b="1" dirty="0">
+                <a:latin typeface="Consolas" panose="020B0609020204030204" pitchFamily="49" charset="0"/>
+              </a:rPr>
+              <a:t>JSON</a:t>
+            </a:r>
+            <a:br>
+              <a:rPr lang="en-US" altLang="ko-KR" sz="1400" b="1" dirty="0">
+                <a:latin typeface="Consolas" panose="020B0609020204030204" pitchFamily="49" charset="0"/>
+              </a:rPr>
+            </a:br>
+            <a:r>
+              <a:rPr lang="en-US" altLang="ko-KR" sz="1400" b="1" dirty="0">
+                <a:latin typeface="Consolas" panose="020B0609020204030204" pitchFamily="49" charset="0"/>
+              </a:rPr>
+              <a:t>File</a:t>
+            </a:r>
+            <a:endParaRPr lang="ko-KR" altLang="en-US" sz="1400" b="1" dirty="0">
+              <a:latin typeface="Consolas" panose="020B0609020204030204" pitchFamily="49" charset="0"/>
+            </a:endParaRPr>
+          </a:p>
+        </p:txBody>
+      </p:sp>
+      <p:sp>
+        <p:nvSpPr>
+          <p:cNvPr id="27" name="화살표: 아래쪽 26">
+            <a:extLst>
+              <a:ext uri="{FF2B5EF4-FFF2-40B4-BE49-F238E27FC236}">
+                <a16:creationId xmlns:a16="http://schemas.microsoft.com/office/drawing/2014/main" id="{9815BAEF-7B11-4870-9B66-265387443EE3}"/>
+              </a:ext>
+            </a:extLst>
+          </p:cNvPr>
+          <p:cNvSpPr/>
+          <p:nvPr/>
+        </p:nvSpPr>
+        <p:spPr>
+          <a:xfrm>
+            <a:off x="2221511" y="3778947"/>
+            <a:ext cx="393184" cy="1075685"/>
+          </a:xfrm>
+          <a:prstGeom prst="downArrow">
+            <a:avLst/>
+          </a:prstGeom>
+        </p:spPr>
+        <p:style>
+          <a:lnRef idx="2">
+            <a:schemeClr val="accent1">
+              <a:shade val="50000"/>
+            </a:schemeClr>
+          </a:lnRef>
+          <a:fillRef idx="1">
+            <a:schemeClr val="accent1"/>
+          </a:fillRef>
+          <a:effectRef idx="0">
+            <a:schemeClr val="accent1"/>
+          </a:effectRef>
+          <a:fontRef idx="minor">
+            <a:schemeClr val="lt1"/>
+          </a:fontRef>
+        </p:style>
+        <p:txBody>
+          <a:bodyPr rtlCol="0" anchor="ctr"/>
+          <a:lstStyle/>
+          <a:p>
+            <a:pPr algn="ctr"/>
+            <a:endParaRPr lang="ko-KR" altLang="en-US">
+              <a:solidFill>
+                <a:schemeClr val="bg1">
+                  <a:lumMod val="95000"/>
+                </a:schemeClr>
+              </a:solidFill>
+            </a:endParaRPr>
+          </a:p>
+        </p:txBody>
+      </p:sp>
+      <p:sp>
+        <p:nvSpPr>
+          <p:cNvPr id="28" name="TextBox 27">
+            <a:extLst>
+              <a:ext uri="{FF2B5EF4-FFF2-40B4-BE49-F238E27FC236}">
+                <a16:creationId xmlns:a16="http://schemas.microsoft.com/office/drawing/2014/main" id="{115EADCA-BA99-4584-93A8-487BA67A2A2F}"/>
+              </a:ext>
+            </a:extLst>
+          </p:cNvPr>
+          <p:cNvSpPr txBox="1"/>
+          <p:nvPr/>
+        </p:nvSpPr>
+        <p:spPr>
+          <a:xfrm>
+            <a:off x="1809916" y="4938031"/>
+            <a:ext cx="3179210" cy="338554"/>
+          </a:xfrm>
+          <a:prstGeom prst="rect">
+            <a:avLst/>
+          </a:prstGeom>
+          <a:noFill/>
+        </p:spPr>
+        <p:txBody>
+          <a:bodyPr wrap="square">
+            <a:spAutoFit/>
+          </a:bodyPr>
+          <a:lstStyle/>
+          <a:p>
+            <a:pPr algn="ctr"/>
+            <a:r>
+              <a:rPr lang="en-US" altLang="ko-KR" sz="1600" dirty="0">
+                <a:latin typeface="Consolas" panose="020B0609020204030204" pitchFamily="49" charset="0"/>
+              </a:rPr>
+              <a:t>{ "name": "Joe", "id":20 }</a:t>
+            </a:r>
+            <a:endParaRPr lang="ko-KR" altLang="en-US" sz="1600" dirty="0">
+              <a:latin typeface="Consolas" panose="020B0609020204030204" pitchFamily="49" charset="0"/>
+            </a:endParaRPr>
+          </a:p>
+        </p:txBody>
+      </p:sp>
+      <p:sp>
+        <p:nvSpPr>
+          <p:cNvPr id="30" name="TextBox 29">
+            <a:extLst>
+              <a:ext uri="{FF2B5EF4-FFF2-40B4-BE49-F238E27FC236}">
+                <a16:creationId xmlns:a16="http://schemas.microsoft.com/office/drawing/2014/main" id="{66B7364E-1C07-4E88-8C91-88705AFA2FB2}"/>
+              </a:ext>
+            </a:extLst>
+          </p:cNvPr>
+          <p:cNvSpPr txBox="1"/>
+          <p:nvPr/>
+        </p:nvSpPr>
+        <p:spPr>
+          <a:xfrm>
+            <a:off x="1913896" y="2814549"/>
+            <a:ext cx="2971250" cy="338554"/>
+          </a:xfrm>
+          <a:prstGeom prst="rect">
+            <a:avLst/>
+          </a:prstGeom>
+          <a:noFill/>
+        </p:spPr>
+        <p:txBody>
+          <a:bodyPr wrap="square">
+            <a:spAutoFit/>
+          </a:bodyPr>
+          <a:lstStyle/>
+          <a:p>
+            <a:r>
+              <a:rPr lang="de-DE" altLang="ko-KR" sz="1600" dirty="0">
+                <a:latin typeface="Consolas" panose="020B0609020204030204" pitchFamily="49" charset="0"/>
+              </a:rPr>
+              <a:t>{"name": "Joe", "id":20}</a:t>
+            </a:r>
+          </a:p>
+        </p:txBody>
+      </p:sp>
+      <p:sp>
+        <p:nvSpPr>
+          <p:cNvPr id="32" name="TextBox 31">
+            <a:extLst>
+              <a:ext uri="{FF2B5EF4-FFF2-40B4-BE49-F238E27FC236}">
+                <a16:creationId xmlns:a16="http://schemas.microsoft.com/office/drawing/2014/main" id="{BA516254-AF76-497D-9062-BC44C1387854}"/>
+              </a:ext>
+            </a:extLst>
+          </p:cNvPr>
+          <p:cNvSpPr txBox="1"/>
+          <p:nvPr/>
+        </p:nvSpPr>
+        <p:spPr>
+          <a:xfrm>
+            <a:off x="2614695" y="4157650"/>
+            <a:ext cx="2735853" cy="338554"/>
+          </a:xfrm>
+          <a:prstGeom prst="rect">
+            <a:avLst/>
+          </a:prstGeom>
+          <a:noFill/>
+        </p:spPr>
+        <p:txBody>
+          <a:bodyPr wrap="square">
+            <a:spAutoFit/>
+          </a:bodyPr>
+          <a:lstStyle/>
+          <a:p>
+            <a:r>
+              <a:rPr lang="en-US" altLang="ko-KR" sz="1600" dirty="0" err="1">
+                <a:latin typeface="Consolas" panose="020B0609020204030204" pitchFamily="49" charset="0"/>
+              </a:rPr>
+              <a:t>json.load</a:t>
+            </a:r>
+            <a:r>
+              <a:rPr lang="en-US" altLang="ko-KR" sz="1600" dirty="0">
+                <a:latin typeface="Consolas" panose="020B0609020204030204" pitchFamily="49" charset="0"/>
+              </a:rPr>
+              <a:t>(</a:t>
+            </a:r>
+            <a:r>
+              <a:rPr lang="en-US" altLang="ko-KR" sz="1600" dirty="0" err="1">
+                <a:latin typeface="Consolas" panose="020B0609020204030204" pitchFamily="49" charset="0"/>
+              </a:rPr>
+              <a:t>fileHandle</a:t>
+            </a:r>
+            <a:r>
+              <a:rPr lang="en-US" altLang="ko-KR" sz="1600" dirty="0">
+                <a:latin typeface="Consolas" panose="020B0609020204030204" pitchFamily="49" charset="0"/>
+              </a:rPr>
+              <a:t>)</a:t>
+            </a:r>
+            <a:endParaRPr lang="ko-KR" altLang="en-US" sz="1600" dirty="0">
+              <a:latin typeface="Consolas" panose="020B0609020204030204" pitchFamily="49" charset="0"/>
+            </a:endParaRPr>
+          </a:p>
+        </p:txBody>
+      </p:sp>
+      <p:sp>
+        <p:nvSpPr>
+          <p:cNvPr id="36" name="TextBox 35">
+            <a:extLst>
+              <a:ext uri="{FF2B5EF4-FFF2-40B4-BE49-F238E27FC236}">
+                <a16:creationId xmlns:a16="http://schemas.microsoft.com/office/drawing/2014/main" id="{1EECE803-0888-4578-8860-463306BD08F4}"/>
+              </a:ext>
+            </a:extLst>
+          </p:cNvPr>
+          <p:cNvSpPr txBox="1"/>
+          <p:nvPr/>
+        </p:nvSpPr>
+        <p:spPr>
+          <a:xfrm>
+            <a:off x="1870991" y="5347748"/>
+            <a:ext cx="1646926" cy="307777"/>
+          </a:xfrm>
+          <a:prstGeom prst="rect">
+            <a:avLst/>
+          </a:prstGeom>
+          <a:solidFill>
+            <a:schemeClr val="accent4"/>
+          </a:solidFill>
+        </p:spPr>
+        <p:txBody>
+          <a:bodyPr wrap="none" rtlCol="0">
+            <a:spAutoFit/>
+          </a:bodyPr>
+          <a:lstStyle/>
+          <a:p>
+            <a:r>
+              <a:rPr lang="en-US" altLang="ko-KR" sz="1400" dirty="0"/>
+              <a:t>Python Dictionary</a:t>
+            </a:r>
+            <a:endParaRPr lang="ko-KR" altLang="en-US" sz="1400" dirty="0"/>
+          </a:p>
+        </p:txBody>
+      </p:sp>
+      <p:sp>
+        <p:nvSpPr>
+          <p:cNvPr id="37" name="TextBox 36">
+            <a:extLst>
+              <a:ext uri="{FF2B5EF4-FFF2-40B4-BE49-F238E27FC236}">
+                <a16:creationId xmlns:a16="http://schemas.microsoft.com/office/drawing/2014/main" id="{D1B15B7D-DA18-4E15-9879-495938227F78}"/>
+              </a:ext>
+            </a:extLst>
+          </p:cNvPr>
+          <p:cNvSpPr txBox="1"/>
+          <p:nvPr/>
+        </p:nvSpPr>
+        <p:spPr>
+          <a:xfrm>
+            <a:off x="7463229" y="2812450"/>
+            <a:ext cx="2971250" cy="338554"/>
+          </a:xfrm>
+          <a:prstGeom prst="rect">
+            <a:avLst/>
+          </a:prstGeom>
+          <a:noFill/>
+        </p:spPr>
+        <p:txBody>
+          <a:bodyPr wrap="square">
+            <a:spAutoFit/>
+          </a:bodyPr>
+          <a:lstStyle/>
+          <a:p>
+            <a:r>
+              <a:rPr lang="de-DE" altLang="ko-KR" sz="1600" dirty="0">
+                <a:latin typeface="Consolas" panose="020B0609020204030204" pitchFamily="49" charset="0"/>
+              </a:rPr>
+              <a:t>{"name": "Joe", "id":20}</a:t>
+            </a:r>
+          </a:p>
+        </p:txBody>
+      </p:sp>
+      <p:sp>
+        <p:nvSpPr>
+          <p:cNvPr id="38" name="TextBox 37">
+            <a:extLst>
+              <a:ext uri="{FF2B5EF4-FFF2-40B4-BE49-F238E27FC236}">
+                <a16:creationId xmlns:a16="http://schemas.microsoft.com/office/drawing/2014/main" id="{44C7914D-F3B4-4B2B-9A3F-D226D3D8F1EC}"/>
+              </a:ext>
+            </a:extLst>
+          </p:cNvPr>
+          <p:cNvSpPr txBox="1"/>
+          <p:nvPr/>
+        </p:nvSpPr>
+        <p:spPr>
+          <a:xfrm>
+            <a:off x="6634275" y="2720117"/>
+            <a:ext cx="828952" cy="523220"/>
+          </a:xfrm>
+          <a:prstGeom prst="rect">
+            <a:avLst/>
+          </a:prstGeom>
+          <a:solidFill>
+            <a:schemeClr val="accent4"/>
+          </a:solidFill>
+        </p:spPr>
+        <p:txBody>
+          <a:bodyPr wrap="square">
+            <a:spAutoFit/>
+          </a:bodyPr>
+          <a:lstStyle/>
+          <a:p>
+            <a:pPr algn="ctr"/>
+            <a:r>
+              <a:rPr lang="en-US" altLang="ko-KR" sz="1400" b="1" dirty="0">
+                <a:latin typeface="Consolas" panose="020B0609020204030204" pitchFamily="49" charset="0"/>
+              </a:rPr>
+              <a:t>JSON</a:t>
+            </a:r>
+            <a:br>
+              <a:rPr lang="en-US" altLang="ko-KR" sz="1400" b="1">
+                <a:latin typeface="Consolas" panose="020B0609020204030204" pitchFamily="49" charset="0"/>
+              </a:rPr>
+            </a:br>
+            <a:r>
+              <a:rPr lang="en-US" altLang="ko-KR" sz="1400" b="1">
+                <a:latin typeface="Consolas" panose="020B0609020204030204" pitchFamily="49" charset="0"/>
+              </a:rPr>
+              <a:t>String</a:t>
+            </a:r>
+            <a:endParaRPr lang="ko-KR" altLang="en-US" sz="1400" b="1" dirty="0">
+              <a:latin typeface="Consolas" panose="020B0609020204030204" pitchFamily="49" charset="0"/>
+            </a:endParaRPr>
+          </a:p>
+        </p:txBody>
+      </p:sp>
+      <p:sp>
+        <p:nvSpPr>
+          <p:cNvPr id="39" name="화살표: 아래쪽 38">
+            <a:extLst>
+              <a:ext uri="{FF2B5EF4-FFF2-40B4-BE49-F238E27FC236}">
+                <a16:creationId xmlns:a16="http://schemas.microsoft.com/office/drawing/2014/main" id="{BEFCE62D-843D-49F8-BCD4-C279892ACF94}"/>
+              </a:ext>
+            </a:extLst>
+          </p:cNvPr>
+          <p:cNvSpPr/>
+          <p:nvPr/>
+        </p:nvSpPr>
+        <p:spPr>
+          <a:xfrm>
+            <a:off x="7666864" y="3243337"/>
+            <a:ext cx="393184" cy="1611295"/>
+          </a:xfrm>
+          <a:prstGeom prst="downArrow">
+            <a:avLst/>
+          </a:prstGeom>
+        </p:spPr>
+        <p:style>
+          <a:lnRef idx="2">
+            <a:schemeClr val="accent1">
+              <a:shade val="50000"/>
+            </a:schemeClr>
+          </a:lnRef>
+          <a:fillRef idx="1">
+            <a:schemeClr val="accent1"/>
+          </a:fillRef>
+          <a:effectRef idx="0">
+            <a:schemeClr val="accent1"/>
+          </a:effectRef>
+          <a:fontRef idx="minor">
+            <a:schemeClr val="lt1"/>
+          </a:fontRef>
+        </p:style>
+        <p:txBody>
+          <a:bodyPr rtlCol="0" anchor="ctr"/>
+          <a:lstStyle/>
+          <a:p>
+            <a:pPr algn="ctr"/>
+            <a:endParaRPr lang="ko-KR" altLang="en-US">
+              <a:solidFill>
+                <a:schemeClr val="bg1">
+                  <a:lumMod val="95000"/>
+                </a:schemeClr>
+              </a:solidFill>
+            </a:endParaRPr>
+          </a:p>
+        </p:txBody>
+      </p:sp>
+      <p:sp>
+        <p:nvSpPr>
+          <p:cNvPr id="40" name="TextBox 39">
+            <a:extLst>
+              <a:ext uri="{FF2B5EF4-FFF2-40B4-BE49-F238E27FC236}">
+                <a16:creationId xmlns:a16="http://schemas.microsoft.com/office/drawing/2014/main" id="{28FF3ADC-0A2B-46A3-85A5-F5A418A79B75}"/>
+              </a:ext>
+            </a:extLst>
+          </p:cNvPr>
+          <p:cNvSpPr txBox="1"/>
+          <p:nvPr/>
+        </p:nvSpPr>
+        <p:spPr>
+          <a:xfrm>
+            <a:off x="7255269" y="4938031"/>
+            <a:ext cx="3179210" cy="338554"/>
+          </a:xfrm>
+          <a:prstGeom prst="rect">
+            <a:avLst/>
+          </a:prstGeom>
+          <a:noFill/>
+        </p:spPr>
+        <p:txBody>
+          <a:bodyPr wrap="square">
+            <a:spAutoFit/>
+          </a:bodyPr>
+          <a:lstStyle/>
+          <a:p>
+            <a:pPr algn="ctr"/>
+            <a:r>
+              <a:rPr lang="en-US" altLang="ko-KR" sz="1600" dirty="0">
+                <a:latin typeface="Consolas" panose="020B0609020204030204" pitchFamily="49" charset="0"/>
+              </a:rPr>
+              <a:t>{ "name": "Joe", "id":20 }</a:t>
+            </a:r>
+            <a:endParaRPr lang="ko-KR" altLang="en-US" sz="1600" dirty="0">
+              <a:latin typeface="Consolas" panose="020B0609020204030204" pitchFamily="49" charset="0"/>
+            </a:endParaRPr>
+          </a:p>
+        </p:txBody>
+      </p:sp>
+      <p:sp>
+        <p:nvSpPr>
+          <p:cNvPr id="41" name="TextBox 40">
+            <a:extLst>
+              <a:ext uri="{FF2B5EF4-FFF2-40B4-BE49-F238E27FC236}">
+                <a16:creationId xmlns:a16="http://schemas.microsoft.com/office/drawing/2014/main" id="{8D9B9484-2588-427D-9F44-00669D101DB9}"/>
+              </a:ext>
+            </a:extLst>
+          </p:cNvPr>
+          <p:cNvSpPr txBox="1"/>
+          <p:nvPr/>
+        </p:nvSpPr>
+        <p:spPr>
+          <a:xfrm>
+            <a:off x="8060048" y="4157650"/>
+            <a:ext cx="2735853" cy="338554"/>
+          </a:xfrm>
+          <a:prstGeom prst="rect">
+            <a:avLst/>
+          </a:prstGeom>
+          <a:noFill/>
+        </p:spPr>
+        <p:txBody>
+          <a:bodyPr wrap="square">
+            <a:spAutoFit/>
+          </a:bodyPr>
+          <a:lstStyle/>
+          <a:p>
+            <a:r>
+              <a:rPr lang="en-US" altLang="ko-KR" sz="1600" dirty="0" err="1">
+                <a:latin typeface="Consolas" panose="020B0609020204030204" pitchFamily="49" charset="0"/>
+              </a:rPr>
+              <a:t>json.loads</a:t>
+            </a:r>
+            <a:r>
+              <a:rPr lang="en-US" altLang="ko-KR" sz="1600" dirty="0">
+                <a:latin typeface="Consolas" panose="020B0609020204030204" pitchFamily="49" charset="0"/>
+              </a:rPr>
+              <a:t>(json String)</a:t>
+            </a:r>
+            <a:endParaRPr lang="ko-KR" altLang="en-US" sz="1600" dirty="0">
+              <a:latin typeface="Consolas" panose="020B0609020204030204" pitchFamily="49" charset="0"/>
+            </a:endParaRPr>
+          </a:p>
+        </p:txBody>
+      </p:sp>
+      <p:sp>
+        <p:nvSpPr>
+          <p:cNvPr id="42" name="TextBox 41">
+            <a:extLst>
+              <a:ext uri="{FF2B5EF4-FFF2-40B4-BE49-F238E27FC236}">
+                <a16:creationId xmlns:a16="http://schemas.microsoft.com/office/drawing/2014/main" id="{B8F9BE92-0692-4B8C-86DB-009ACEDE734D}"/>
+              </a:ext>
+            </a:extLst>
+          </p:cNvPr>
+          <p:cNvSpPr txBox="1"/>
+          <p:nvPr/>
+        </p:nvSpPr>
+        <p:spPr>
+          <a:xfrm>
+            <a:off x="7316344" y="5347748"/>
+            <a:ext cx="1646926" cy="307777"/>
+          </a:xfrm>
+          <a:prstGeom prst="rect">
+            <a:avLst/>
+          </a:prstGeom>
+          <a:solidFill>
+            <a:schemeClr val="accent4"/>
+          </a:solidFill>
+        </p:spPr>
+        <p:txBody>
+          <a:bodyPr wrap="none" rtlCol="0">
+            <a:spAutoFit/>
+          </a:bodyPr>
+          <a:lstStyle/>
+          <a:p>
+            <a:r>
+              <a:rPr lang="en-US" altLang="ko-KR" sz="1400" dirty="0"/>
+              <a:t>Python Dictionary</a:t>
+            </a:r>
+            <a:endParaRPr lang="ko-KR" altLang="en-US" sz="1400" dirty="0"/>
+          </a:p>
+        </p:txBody>
+      </p:sp>
+    </p:spTree>
+    <p:extLst>
+      <p:ext uri="{BB962C8B-B14F-4D97-AF65-F5344CB8AC3E}">
+        <p14:creationId xmlns:p14="http://schemas.microsoft.com/office/powerpoint/2010/main" val="549122214"/>
+      </p:ext>
+    </p:extLst>
+  </p:cSld>
+  <p:clrMapOvr>
+    <a:masterClrMapping/>
+  </p:clrMapOvr>
+</p:sld>
+</file>
+
+<file path=ppt/slides/slide26.xml><?xml version="1.0" encoding="utf-8"?>
+<p:sld xmlns:a="http://schemas.openxmlformats.org/drawingml/2006/main" xmlns:r="http://schemas.openxmlformats.org/officeDocument/2006/relationships" xmlns:p="http://schemas.openxmlformats.org/presentationml/2006/main">
+  <p:cSld>
+    <p:spTree>
+      <p:nvGrpSpPr>
+        <p:cNvPr id="1" name=""/>
+        <p:cNvGrpSpPr/>
+        <p:nvPr/>
+      </p:nvGrpSpPr>
+      <p:grpSpPr>
+        <a:xfrm>
+          <a:off x="0" y="0"/>
+          <a:ext cx="0" cy="0"/>
+          <a:chOff x="0" y="0"/>
+          <a:chExt cx="0" cy="0"/>
+        </a:xfrm>
+      </p:grpSpPr>
+      <p:sp>
+        <p:nvSpPr>
+          <p:cNvPr id="2" name="TextBox 1">
+            <a:extLst>
+              <a:ext uri="{FF2B5EF4-FFF2-40B4-BE49-F238E27FC236}">
+                <a16:creationId xmlns:a16="http://schemas.microsoft.com/office/drawing/2014/main" id="{F20AB9DB-0BF7-469A-9B58-61A4104EACBB}"/>
+              </a:ext>
+            </a:extLst>
+          </p:cNvPr>
+          <p:cNvSpPr txBox="1"/>
+          <p:nvPr/>
+        </p:nvSpPr>
+        <p:spPr>
+          <a:xfrm>
+            <a:off x="1047405" y="541027"/>
+            <a:ext cx="9939256" cy="677108"/>
+          </a:xfrm>
+          <a:prstGeom prst="rect">
+            <a:avLst/>
+          </a:prstGeom>
+          <a:solidFill>
+            <a:schemeClr val="accent4">
+              <a:lumMod val="20000"/>
+              <a:lumOff val="80000"/>
+            </a:schemeClr>
+          </a:solidFill>
+        </p:spPr>
+        <p:txBody>
+          <a:bodyPr wrap="square" rtlCol="0">
+            <a:spAutoFit/>
+          </a:bodyPr>
+          <a:lstStyle/>
+          <a:p>
+            <a:pPr algn="ctr"/>
+            <a:r>
+              <a:rPr lang="en-US" altLang="ko-KR" sz="2000" b="1" dirty="0"/>
+              <a:t>Python JSON Encoding</a:t>
+            </a:r>
+            <a:r>
+              <a:rPr lang="en-US" altLang="ko-KR" dirty="0"/>
+              <a:t>: </a:t>
+            </a:r>
+          </a:p>
+          <a:p>
+            <a:pPr algn="ctr"/>
+            <a:r>
+              <a:rPr lang="en-US" altLang="ko-KR" dirty="0">
+                <a:solidFill>
+                  <a:srgbClr val="C00000"/>
+                </a:solidFill>
+              </a:rPr>
+              <a:t>Encode</a:t>
+            </a:r>
+            <a:r>
+              <a:rPr lang="en-US" altLang="ko-KR" dirty="0"/>
+              <a:t> JSON using </a:t>
+            </a:r>
+            <a:r>
+              <a:rPr lang="en-US" altLang="ko-KR" b="1" dirty="0"/>
+              <a:t>dump() </a:t>
+            </a:r>
+            <a:r>
+              <a:rPr lang="en-US" altLang="ko-KR" dirty="0"/>
+              <a:t>&amp; </a:t>
+            </a:r>
+            <a:r>
+              <a:rPr lang="en-US" altLang="ko-KR" b="1" dirty="0"/>
+              <a:t>dumps()</a:t>
+            </a:r>
+            <a:endParaRPr lang="ko-KR" altLang="en-US" b="1" dirty="0"/>
+          </a:p>
+        </p:txBody>
+      </p:sp>
+      <p:cxnSp>
+        <p:nvCxnSpPr>
+          <p:cNvPr id="6" name="직선 연결선 5">
+            <a:extLst>
+              <a:ext uri="{FF2B5EF4-FFF2-40B4-BE49-F238E27FC236}">
+                <a16:creationId xmlns:a16="http://schemas.microsoft.com/office/drawing/2014/main" id="{3357E2FF-541C-4D6B-ACB2-F758786682ED}"/>
+              </a:ext>
+            </a:extLst>
+          </p:cNvPr>
+          <p:cNvCxnSpPr>
+            <a:cxnSpLocks/>
+          </p:cNvCxnSpPr>
+          <p:nvPr/>
+        </p:nvCxnSpPr>
+        <p:spPr>
+          <a:xfrm>
+            <a:off x="6096000" y="1532435"/>
+            <a:ext cx="0" cy="4991935"/>
+          </a:xfrm>
+          <a:prstGeom prst="line">
+            <a:avLst/>
+          </a:prstGeom>
+        </p:spPr>
+        <p:style>
+          <a:lnRef idx="1">
+            <a:schemeClr val="accent1"/>
+          </a:lnRef>
+          <a:fillRef idx="0">
+            <a:schemeClr val="accent1"/>
+          </a:fillRef>
+          <a:effectRef idx="0">
+            <a:schemeClr val="accent1"/>
+          </a:effectRef>
+          <a:fontRef idx="minor">
+            <a:schemeClr val="tx1"/>
+          </a:fontRef>
+        </p:style>
+      </p:cxnSp>
+      <p:sp>
+        <p:nvSpPr>
+          <p:cNvPr id="21" name="사각형: 위쪽 모서리의 한쪽은 둥글고 다른 한쪽은 잘림 20">
+            <a:extLst>
+              <a:ext uri="{FF2B5EF4-FFF2-40B4-BE49-F238E27FC236}">
+                <a16:creationId xmlns:a16="http://schemas.microsoft.com/office/drawing/2014/main" id="{58FB0EB4-602B-427E-BCF5-CA510615D4A7}"/>
+              </a:ext>
+            </a:extLst>
+          </p:cNvPr>
+          <p:cNvSpPr/>
+          <p:nvPr/>
+        </p:nvSpPr>
+        <p:spPr>
+          <a:xfrm flipV="1">
+            <a:off x="1870991" y="4450323"/>
+            <a:ext cx="3179213" cy="1506317"/>
+          </a:xfrm>
+          <a:prstGeom prst="snipRoundRect">
+            <a:avLst/>
+          </a:prstGeom>
+          <a:solidFill>
+            <a:schemeClr val="bg1">
+              <a:lumMod val="95000"/>
+            </a:schemeClr>
+          </a:solidFill>
+        </p:spPr>
+        <p:style>
+          <a:lnRef idx="2">
+            <a:schemeClr val="accent1">
+              <a:shade val="50000"/>
+            </a:schemeClr>
+          </a:lnRef>
+          <a:fillRef idx="1">
+            <a:schemeClr val="accent1"/>
+          </a:fillRef>
+          <a:effectRef idx="0">
+            <a:schemeClr val="accent1"/>
+          </a:effectRef>
+          <a:fontRef idx="minor">
+            <a:schemeClr val="lt1"/>
+          </a:fontRef>
+        </p:style>
+        <p:txBody>
+          <a:bodyPr rtlCol="0" anchor="ctr"/>
+          <a:lstStyle/>
+          <a:p>
+            <a:pPr algn="ctr"/>
+            <a:endParaRPr lang="ko-KR" altLang="en-US"/>
+          </a:p>
+        </p:txBody>
+      </p:sp>
+      <p:sp>
+        <p:nvSpPr>
+          <p:cNvPr id="23" name="TextBox 22">
+            <a:extLst>
+              <a:ext uri="{FF2B5EF4-FFF2-40B4-BE49-F238E27FC236}">
+                <a16:creationId xmlns:a16="http://schemas.microsoft.com/office/drawing/2014/main" id="{7A34F43D-DB44-4B14-B1D1-C4101C8BEC96}"/>
+              </a:ext>
+            </a:extLst>
+          </p:cNvPr>
+          <p:cNvSpPr txBox="1"/>
+          <p:nvPr/>
+        </p:nvSpPr>
+        <p:spPr>
+          <a:xfrm>
+            <a:off x="2221511" y="1629184"/>
+            <a:ext cx="2125360" cy="369332"/>
+          </a:xfrm>
+          <a:prstGeom prst="rect">
+            <a:avLst/>
+          </a:prstGeom>
+          <a:noFill/>
+        </p:spPr>
+        <p:txBody>
+          <a:bodyPr wrap="square">
+            <a:spAutoFit/>
+          </a:bodyPr>
+          <a:lstStyle/>
+          <a:p>
+            <a:pPr algn="ctr"/>
+            <a:r>
+              <a:rPr lang="en-US" altLang="ko-KR" b="1" dirty="0" err="1">
+                <a:latin typeface="Consolas" panose="020B0609020204030204" pitchFamily="49" charset="0"/>
+              </a:rPr>
+              <a:t>json.dump</a:t>
+            </a:r>
+            <a:r>
+              <a:rPr lang="en-US" altLang="ko-KR" b="1" dirty="0">
+                <a:latin typeface="Consolas" panose="020B0609020204030204" pitchFamily="49" charset="0"/>
+              </a:rPr>
+              <a:t>() </a:t>
+            </a:r>
+            <a:endParaRPr lang="ko-KR" altLang="en-US" b="1" dirty="0">
+              <a:latin typeface="Consolas" panose="020B0609020204030204" pitchFamily="49" charset="0"/>
+            </a:endParaRPr>
+          </a:p>
+        </p:txBody>
+      </p:sp>
+      <p:sp>
+        <p:nvSpPr>
+          <p:cNvPr id="24" name="TextBox 23">
+            <a:extLst>
+              <a:ext uri="{FF2B5EF4-FFF2-40B4-BE49-F238E27FC236}">
+                <a16:creationId xmlns:a16="http://schemas.microsoft.com/office/drawing/2014/main" id="{D0A9E8A9-C99F-4E5D-BD58-45113673E5DF}"/>
+              </a:ext>
+            </a:extLst>
+          </p:cNvPr>
+          <p:cNvSpPr txBox="1"/>
+          <p:nvPr/>
+        </p:nvSpPr>
+        <p:spPr>
+          <a:xfrm>
+            <a:off x="7845130" y="1621818"/>
+            <a:ext cx="2125360" cy="369332"/>
+          </a:xfrm>
+          <a:prstGeom prst="rect">
+            <a:avLst/>
+          </a:prstGeom>
+          <a:noFill/>
+        </p:spPr>
+        <p:txBody>
+          <a:bodyPr wrap="square">
+            <a:spAutoFit/>
+          </a:bodyPr>
+          <a:lstStyle/>
+          <a:p>
+            <a:pPr algn="ctr"/>
+            <a:r>
+              <a:rPr lang="en-US" altLang="ko-KR" b="1" dirty="0" err="1">
+                <a:latin typeface="Consolas" panose="020B0609020204030204" pitchFamily="49" charset="0"/>
+              </a:rPr>
+              <a:t>json.dumps</a:t>
+            </a:r>
+            <a:r>
+              <a:rPr lang="en-US" altLang="ko-KR" b="1" dirty="0">
+                <a:latin typeface="Consolas" panose="020B0609020204030204" pitchFamily="49" charset="0"/>
+              </a:rPr>
+              <a:t>() </a:t>
+            </a:r>
+            <a:endParaRPr lang="ko-KR" altLang="en-US" b="1" dirty="0">
+              <a:latin typeface="Consolas" panose="020B0609020204030204" pitchFamily="49" charset="0"/>
+            </a:endParaRPr>
+          </a:p>
+        </p:txBody>
+      </p:sp>
+      <p:sp>
+        <p:nvSpPr>
+          <p:cNvPr id="25" name="TextBox 24">
+            <a:extLst>
+              <a:ext uri="{FF2B5EF4-FFF2-40B4-BE49-F238E27FC236}">
+                <a16:creationId xmlns:a16="http://schemas.microsoft.com/office/drawing/2014/main" id="{BDB0F895-2CAE-468E-81E8-EE56FDEB747E}"/>
+              </a:ext>
+            </a:extLst>
+          </p:cNvPr>
+          <p:cNvSpPr txBox="1"/>
+          <p:nvPr/>
+        </p:nvSpPr>
+        <p:spPr>
+          <a:xfrm>
+            <a:off x="1600351" y="4468739"/>
+            <a:ext cx="2125360" cy="338554"/>
+          </a:xfrm>
+          <a:prstGeom prst="rect">
+            <a:avLst/>
+          </a:prstGeom>
+          <a:noFill/>
+        </p:spPr>
+        <p:txBody>
+          <a:bodyPr wrap="square">
+            <a:spAutoFit/>
+          </a:bodyPr>
+          <a:lstStyle/>
+          <a:p>
+            <a:pPr algn="ctr"/>
+            <a:r>
+              <a:rPr lang="en-US" altLang="ko-KR" sz="1600" b="1" dirty="0" err="1">
+                <a:latin typeface="Consolas" panose="020B0609020204030204" pitchFamily="49" charset="0"/>
+              </a:rPr>
+              <a:t>students.json</a:t>
+            </a:r>
+            <a:endParaRPr lang="ko-KR" altLang="en-US" sz="1600" b="1" dirty="0">
+              <a:latin typeface="Consolas" panose="020B0609020204030204" pitchFamily="49" charset="0"/>
+            </a:endParaRPr>
+          </a:p>
+        </p:txBody>
+      </p:sp>
+      <p:sp>
+        <p:nvSpPr>
+          <p:cNvPr id="26" name="TextBox 25">
+            <a:extLst>
+              <a:ext uri="{FF2B5EF4-FFF2-40B4-BE49-F238E27FC236}">
+                <a16:creationId xmlns:a16="http://schemas.microsoft.com/office/drawing/2014/main" id="{E03FF21B-8FBA-4D78-A6EB-C2377A047F3B}"/>
+              </a:ext>
+            </a:extLst>
+          </p:cNvPr>
+          <p:cNvSpPr txBox="1"/>
+          <p:nvPr/>
+        </p:nvSpPr>
+        <p:spPr>
+          <a:xfrm>
+            <a:off x="1047404" y="4467042"/>
+            <a:ext cx="762512" cy="523220"/>
+          </a:xfrm>
+          <a:prstGeom prst="rect">
+            <a:avLst/>
+          </a:prstGeom>
+          <a:solidFill>
+            <a:schemeClr val="accent4"/>
+          </a:solidFill>
+        </p:spPr>
+        <p:txBody>
+          <a:bodyPr wrap="square">
+            <a:spAutoFit/>
+          </a:bodyPr>
+          <a:lstStyle/>
+          <a:p>
+            <a:pPr algn="ctr"/>
+            <a:r>
+              <a:rPr lang="en-US" altLang="ko-KR" sz="1400" b="1" dirty="0">
+                <a:latin typeface="Consolas" panose="020B0609020204030204" pitchFamily="49" charset="0"/>
+              </a:rPr>
+              <a:t>JSON</a:t>
+            </a:r>
+            <a:br>
+              <a:rPr lang="en-US" altLang="ko-KR" sz="1400" b="1" dirty="0">
+                <a:latin typeface="Consolas" panose="020B0609020204030204" pitchFamily="49" charset="0"/>
+              </a:rPr>
+            </a:br>
+            <a:r>
+              <a:rPr lang="en-US" altLang="ko-KR" sz="1400" b="1" dirty="0">
+                <a:latin typeface="Consolas" panose="020B0609020204030204" pitchFamily="49" charset="0"/>
+              </a:rPr>
+              <a:t>File</a:t>
+            </a:r>
+            <a:endParaRPr lang="ko-KR" altLang="en-US" sz="1400" b="1" dirty="0">
+              <a:latin typeface="Consolas" panose="020B0609020204030204" pitchFamily="49" charset="0"/>
+            </a:endParaRPr>
+          </a:p>
+        </p:txBody>
+      </p:sp>
+      <p:sp>
+        <p:nvSpPr>
+          <p:cNvPr id="27" name="화살표: 아래쪽 26">
+            <a:extLst>
+              <a:ext uri="{FF2B5EF4-FFF2-40B4-BE49-F238E27FC236}">
+                <a16:creationId xmlns:a16="http://schemas.microsoft.com/office/drawing/2014/main" id="{9815BAEF-7B11-4870-9B66-265387443EE3}"/>
+              </a:ext>
+            </a:extLst>
+          </p:cNvPr>
+          <p:cNvSpPr/>
+          <p:nvPr/>
+        </p:nvSpPr>
+        <p:spPr>
+          <a:xfrm>
+            <a:off x="2221511" y="3300976"/>
+            <a:ext cx="393184" cy="1075685"/>
+          </a:xfrm>
+          <a:prstGeom prst="downArrow">
+            <a:avLst/>
+          </a:prstGeom>
+        </p:spPr>
+        <p:style>
+          <a:lnRef idx="2">
+            <a:schemeClr val="accent1">
+              <a:shade val="50000"/>
+            </a:schemeClr>
+          </a:lnRef>
+          <a:fillRef idx="1">
+            <a:schemeClr val="accent1"/>
+          </a:fillRef>
+          <a:effectRef idx="0">
+            <a:schemeClr val="accent1"/>
+          </a:effectRef>
+          <a:fontRef idx="minor">
+            <a:schemeClr val="lt1"/>
+          </a:fontRef>
+        </p:style>
+        <p:txBody>
+          <a:bodyPr rtlCol="0" anchor="ctr"/>
+          <a:lstStyle/>
+          <a:p>
+            <a:pPr algn="ctr"/>
+            <a:endParaRPr lang="ko-KR" altLang="en-US">
+              <a:solidFill>
+                <a:schemeClr val="bg1">
+                  <a:lumMod val="95000"/>
+                </a:schemeClr>
+              </a:solidFill>
+            </a:endParaRPr>
+          </a:p>
+        </p:txBody>
+      </p:sp>
+      <p:sp>
+        <p:nvSpPr>
+          <p:cNvPr id="28" name="TextBox 27">
+            <a:extLst>
+              <a:ext uri="{FF2B5EF4-FFF2-40B4-BE49-F238E27FC236}">
+                <a16:creationId xmlns:a16="http://schemas.microsoft.com/office/drawing/2014/main" id="{115EADCA-BA99-4584-93A8-487BA67A2A2F}"/>
+              </a:ext>
+            </a:extLst>
+          </p:cNvPr>
+          <p:cNvSpPr txBox="1"/>
+          <p:nvPr/>
+        </p:nvSpPr>
+        <p:spPr>
+          <a:xfrm>
+            <a:off x="1809916" y="2502403"/>
+            <a:ext cx="3179210" cy="338554"/>
+          </a:xfrm>
+          <a:prstGeom prst="rect">
+            <a:avLst/>
+          </a:prstGeom>
+          <a:noFill/>
+        </p:spPr>
+        <p:txBody>
+          <a:bodyPr wrap="square">
+            <a:spAutoFit/>
+          </a:bodyPr>
+          <a:lstStyle/>
+          <a:p>
+            <a:pPr algn="ctr"/>
+            <a:r>
+              <a:rPr lang="en-US" altLang="ko-KR" sz="1600" dirty="0">
+                <a:latin typeface="Consolas" panose="020B0609020204030204" pitchFamily="49" charset="0"/>
+              </a:rPr>
+              <a:t>{ "name": "Joe", "id":20 }</a:t>
+            </a:r>
+            <a:endParaRPr lang="ko-KR" altLang="en-US" sz="1600" dirty="0">
+              <a:latin typeface="Consolas" panose="020B0609020204030204" pitchFamily="49" charset="0"/>
+            </a:endParaRPr>
+          </a:p>
+        </p:txBody>
+      </p:sp>
+      <p:sp>
+        <p:nvSpPr>
+          <p:cNvPr id="30" name="TextBox 29">
+            <a:extLst>
+              <a:ext uri="{FF2B5EF4-FFF2-40B4-BE49-F238E27FC236}">
+                <a16:creationId xmlns:a16="http://schemas.microsoft.com/office/drawing/2014/main" id="{66B7364E-1C07-4E88-8C91-88705AFA2FB2}"/>
+              </a:ext>
+            </a:extLst>
+          </p:cNvPr>
+          <p:cNvSpPr txBox="1"/>
+          <p:nvPr/>
+        </p:nvSpPr>
+        <p:spPr>
+          <a:xfrm>
+            <a:off x="1913896" y="4855309"/>
+            <a:ext cx="2971250" cy="338554"/>
+          </a:xfrm>
+          <a:prstGeom prst="rect">
+            <a:avLst/>
+          </a:prstGeom>
+          <a:noFill/>
+        </p:spPr>
+        <p:txBody>
+          <a:bodyPr wrap="square">
+            <a:spAutoFit/>
+          </a:bodyPr>
+          <a:lstStyle/>
+          <a:p>
+            <a:r>
+              <a:rPr lang="de-DE" altLang="ko-KR" sz="1600" dirty="0">
+                <a:latin typeface="Consolas" panose="020B0609020204030204" pitchFamily="49" charset="0"/>
+              </a:rPr>
+              <a:t>{ "name": "Joe", "id":20 }</a:t>
+            </a:r>
+          </a:p>
+        </p:txBody>
+      </p:sp>
+      <p:sp>
+        <p:nvSpPr>
+          <p:cNvPr id="32" name="TextBox 31">
+            <a:extLst>
+              <a:ext uri="{FF2B5EF4-FFF2-40B4-BE49-F238E27FC236}">
+                <a16:creationId xmlns:a16="http://schemas.microsoft.com/office/drawing/2014/main" id="{BA516254-AF76-497D-9062-BC44C1387854}"/>
+              </a:ext>
+            </a:extLst>
+          </p:cNvPr>
+          <p:cNvSpPr txBox="1"/>
+          <p:nvPr/>
+        </p:nvSpPr>
+        <p:spPr>
+          <a:xfrm>
+            <a:off x="2566055" y="3675041"/>
+            <a:ext cx="3402483" cy="307777"/>
+          </a:xfrm>
+          <a:prstGeom prst="rect">
+            <a:avLst/>
+          </a:prstGeom>
+          <a:noFill/>
+        </p:spPr>
+        <p:txBody>
+          <a:bodyPr wrap="square">
+            <a:spAutoFit/>
+          </a:bodyPr>
+          <a:lstStyle/>
+          <a:p>
+            <a:r>
+              <a:rPr lang="en-US" altLang="ko-KR" sz="1400" dirty="0" err="1">
+                <a:latin typeface="Consolas" panose="020B0609020204030204" pitchFamily="49" charset="0"/>
+              </a:rPr>
+              <a:t>json.dump</a:t>
+            </a:r>
+            <a:r>
+              <a:rPr lang="en-US" altLang="ko-KR" sz="1400" dirty="0">
+                <a:latin typeface="Consolas" panose="020B0609020204030204" pitchFamily="49" charset="0"/>
+              </a:rPr>
+              <a:t>(</a:t>
+            </a:r>
+            <a:r>
+              <a:rPr lang="en-US" altLang="ko-KR" sz="1400" dirty="0" err="1">
+                <a:latin typeface="Consolas" panose="020B0609020204030204" pitchFamily="49" charset="0"/>
+              </a:rPr>
+              <a:t>file,PythonDictionary</a:t>
+            </a:r>
+            <a:r>
+              <a:rPr lang="en-US" altLang="ko-KR" sz="1400" dirty="0">
+                <a:latin typeface="Consolas" panose="020B0609020204030204" pitchFamily="49" charset="0"/>
+              </a:rPr>
+              <a:t>)</a:t>
+            </a:r>
+            <a:endParaRPr lang="ko-KR" altLang="en-US" sz="1400" dirty="0">
+              <a:latin typeface="Consolas" panose="020B0609020204030204" pitchFamily="49" charset="0"/>
+            </a:endParaRPr>
+          </a:p>
+        </p:txBody>
+      </p:sp>
+      <p:sp>
+        <p:nvSpPr>
+          <p:cNvPr id="36" name="TextBox 35">
+            <a:extLst>
+              <a:ext uri="{FF2B5EF4-FFF2-40B4-BE49-F238E27FC236}">
+                <a16:creationId xmlns:a16="http://schemas.microsoft.com/office/drawing/2014/main" id="{1EECE803-0888-4578-8860-463306BD08F4}"/>
+              </a:ext>
+            </a:extLst>
+          </p:cNvPr>
+          <p:cNvSpPr txBox="1"/>
+          <p:nvPr/>
+        </p:nvSpPr>
+        <p:spPr>
+          <a:xfrm>
+            <a:off x="1870991" y="2912120"/>
+            <a:ext cx="1646926" cy="307777"/>
+          </a:xfrm>
+          <a:prstGeom prst="rect">
+            <a:avLst/>
+          </a:prstGeom>
+          <a:solidFill>
+            <a:schemeClr val="accent4"/>
+          </a:solidFill>
+        </p:spPr>
+        <p:txBody>
+          <a:bodyPr wrap="none" rtlCol="0">
+            <a:spAutoFit/>
+          </a:bodyPr>
+          <a:lstStyle/>
+          <a:p>
+            <a:r>
+              <a:rPr lang="en-US" altLang="ko-KR" sz="1400" dirty="0"/>
+              <a:t>Python Dictionary</a:t>
+            </a:r>
+            <a:endParaRPr lang="ko-KR" altLang="en-US" sz="1400" dirty="0"/>
+          </a:p>
+        </p:txBody>
+      </p:sp>
+      <p:sp>
+        <p:nvSpPr>
+          <p:cNvPr id="40" name="TextBox 39">
+            <a:extLst>
+              <a:ext uri="{FF2B5EF4-FFF2-40B4-BE49-F238E27FC236}">
+                <a16:creationId xmlns:a16="http://schemas.microsoft.com/office/drawing/2014/main" id="{28FF3ADC-0A2B-46A3-85A5-F5A418A79B75}"/>
+              </a:ext>
+            </a:extLst>
+          </p:cNvPr>
+          <p:cNvSpPr txBox="1"/>
+          <p:nvPr/>
+        </p:nvSpPr>
+        <p:spPr>
+          <a:xfrm>
+            <a:off x="7255269" y="4430953"/>
+            <a:ext cx="3336380" cy="338554"/>
+          </a:xfrm>
+          <a:prstGeom prst="rect">
+            <a:avLst/>
+          </a:prstGeom>
+          <a:noFill/>
+        </p:spPr>
+        <p:txBody>
+          <a:bodyPr wrap="square">
+            <a:spAutoFit/>
+          </a:bodyPr>
+          <a:lstStyle/>
+          <a:p>
+            <a:pPr algn="ctr"/>
+            <a:r>
+              <a:rPr lang="en-US" altLang="ko-KR" sz="1600">
+                <a:latin typeface="Consolas" panose="020B0609020204030204" pitchFamily="49" charset="0"/>
+              </a:rPr>
+              <a:t>'{ </a:t>
+            </a:r>
+            <a:r>
+              <a:rPr lang="en-US" altLang="ko-KR" sz="1600" dirty="0">
+                <a:latin typeface="Consolas" panose="020B0609020204030204" pitchFamily="49" charset="0"/>
+              </a:rPr>
+              <a:t>"name": "Joe", "id":</a:t>
+            </a:r>
+            <a:r>
+              <a:rPr lang="en-US" altLang="ko-KR" sz="1600">
+                <a:latin typeface="Consolas" panose="020B0609020204030204" pitchFamily="49" charset="0"/>
+              </a:rPr>
+              <a:t>20 }'</a:t>
+            </a:r>
+            <a:endParaRPr lang="ko-KR" altLang="en-US" sz="1600" dirty="0">
+              <a:latin typeface="Consolas" panose="020B0609020204030204" pitchFamily="49" charset="0"/>
+            </a:endParaRPr>
+          </a:p>
+        </p:txBody>
+      </p:sp>
+      <p:sp>
+        <p:nvSpPr>
+          <p:cNvPr id="20" name="TextBox 19">
+            <a:extLst>
+              <a:ext uri="{FF2B5EF4-FFF2-40B4-BE49-F238E27FC236}">
+                <a16:creationId xmlns:a16="http://schemas.microsoft.com/office/drawing/2014/main" id="{64BFED3E-65C7-4A04-BF5F-DEE1C50B19F9}"/>
+              </a:ext>
+            </a:extLst>
+          </p:cNvPr>
+          <p:cNvSpPr txBox="1"/>
+          <p:nvPr/>
+        </p:nvSpPr>
+        <p:spPr>
+          <a:xfrm>
+            <a:off x="7023475" y="2502403"/>
+            <a:ext cx="3179210" cy="338554"/>
+          </a:xfrm>
+          <a:prstGeom prst="rect">
+            <a:avLst/>
+          </a:prstGeom>
+          <a:noFill/>
+        </p:spPr>
+        <p:txBody>
+          <a:bodyPr wrap="square">
+            <a:spAutoFit/>
+          </a:bodyPr>
+          <a:lstStyle/>
+          <a:p>
+            <a:pPr algn="ctr"/>
+            <a:r>
+              <a:rPr lang="en-US" altLang="ko-KR" sz="1600" dirty="0">
+                <a:latin typeface="Consolas" panose="020B0609020204030204" pitchFamily="49" charset="0"/>
+              </a:rPr>
+              <a:t>{ "name": "Joe", "id":20 }</a:t>
+            </a:r>
+            <a:endParaRPr lang="ko-KR" altLang="en-US" sz="1600" dirty="0">
+              <a:latin typeface="Consolas" panose="020B0609020204030204" pitchFamily="49" charset="0"/>
+            </a:endParaRPr>
+          </a:p>
+        </p:txBody>
+      </p:sp>
+      <p:sp>
+        <p:nvSpPr>
+          <p:cNvPr id="22" name="TextBox 21">
+            <a:extLst>
+              <a:ext uri="{FF2B5EF4-FFF2-40B4-BE49-F238E27FC236}">
+                <a16:creationId xmlns:a16="http://schemas.microsoft.com/office/drawing/2014/main" id="{1F0758D8-3724-4478-BCA2-35CDC6ECAF24}"/>
+              </a:ext>
+            </a:extLst>
+          </p:cNvPr>
+          <p:cNvSpPr txBox="1"/>
+          <p:nvPr/>
+        </p:nvSpPr>
+        <p:spPr>
+          <a:xfrm>
+            <a:off x="7084550" y="2912120"/>
+            <a:ext cx="1646926" cy="307777"/>
+          </a:xfrm>
+          <a:prstGeom prst="rect">
+            <a:avLst/>
+          </a:prstGeom>
+          <a:solidFill>
+            <a:schemeClr val="accent4"/>
+          </a:solidFill>
+        </p:spPr>
+        <p:txBody>
+          <a:bodyPr wrap="none" rtlCol="0">
+            <a:spAutoFit/>
+          </a:bodyPr>
+          <a:lstStyle/>
+          <a:p>
+            <a:r>
+              <a:rPr lang="en-US" altLang="ko-KR" sz="1400" dirty="0"/>
+              <a:t>Python Dictionary</a:t>
+            </a:r>
+            <a:endParaRPr lang="ko-KR" altLang="en-US" sz="1400" dirty="0"/>
+          </a:p>
+        </p:txBody>
+      </p:sp>
+      <p:sp>
+        <p:nvSpPr>
+          <p:cNvPr id="29" name="화살표: 아래쪽 28">
+            <a:extLst>
+              <a:ext uri="{FF2B5EF4-FFF2-40B4-BE49-F238E27FC236}">
+                <a16:creationId xmlns:a16="http://schemas.microsoft.com/office/drawing/2014/main" id="{4F526C24-99B9-42BA-AF78-4B1EAEEBAD58}"/>
+              </a:ext>
+            </a:extLst>
+          </p:cNvPr>
+          <p:cNvSpPr/>
+          <p:nvPr/>
+        </p:nvSpPr>
+        <p:spPr>
+          <a:xfrm>
+            <a:off x="7403111" y="3294776"/>
+            <a:ext cx="393184" cy="1075685"/>
+          </a:xfrm>
+          <a:prstGeom prst="downArrow">
+            <a:avLst/>
+          </a:prstGeom>
+        </p:spPr>
+        <p:style>
+          <a:lnRef idx="2">
+            <a:schemeClr val="accent1">
+              <a:shade val="50000"/>
+            </a:schemeClr>
+          </a:lnRef>
+          <a:fillRef idx="1">
+            <a:schemeClr val="accent1"/>
+          </a:fillRef>
+          <a:effectRef idx="0">
+            <a:schemeClr val="accent1"/>
+          </a:effectRef>
+          <a:fontRef idx="minor">
+            <a:schemeClr val="lt1"/>
+          </a:fontRef>
+        </p:style>
+        <p:txBody>
+          <a:bodyPr rtlCol="0" anchor="ctr"/>
+          <a:lstStyle/>
+          <a:p>
+            <a:pPr algn="ctr"/>
+            <a:endParaRPr lang="ko-KR" altLang="en-US">
+              <a:solidFill>
+                <a:schemeClr val="bg1">
+                  <a:lumMod val="95000"/>
+                </a:schemeClr>
+              </a:solidFill>
+            </a:endParaRPr>
+          </a:p>
+        </p:txBody>
+      </p:sp>
+      <p:sp>
+        <p:nvSpPr>
+          <p:cNvPr id="31" name="TextBox 30">
+            <a:extLst>
+              <a:ext uri="{FF2B5EF4-FFF2-40B4-BE49-F238E27FC236}">
+                <a16:creationId xmlns:a16="http://schemas.microsoft.com/office/drawing/2014/main" id="{5FAE0208-2F3D-4610-AAB5-18D362BD6114}"/>
+              </a:ext>
+            </a:extLst>
+          </p:cNvPr>
+          <p:cNvSpPr txBox="1"/>
+          <p:nvPr/>
+        </p:nvSpPr>
+        <p:spPr>
+          <a:xfrm>
+            <a:off x="7747655" y="3668841"/>
+            <a:ext cx="3239005" cy="307777"/>
+          </a:xfrm>
+          <a:prstGeom prst="rect">
+            <a:avLst/>
+          </a:prstGeom>
+          <a:noFill/>
+        </p:spPr>
+        <p:txBody>
+          <a:bodyPr wrap="square">
+            <a:spAutoFit/>
+          </a:bodyPr>
+          <a:lstStyle/>
+          <a:p>
+            <a:r>
+              <a:rPr lang="en-US" altLang="ko-KR" sz="1400" dirty="0" err="1">
+                <a:latin typeface="Consolas" panose="020B0609020204030204" pitchFamily="49" charset="0"/>
+              </a:rPr>
+              <a:t>json.dumps</a:t>
+            </a:r>
+            <a:r>
+              <a:rPr lang="en-US" altLang="ko-KR" sz="1400" dirty="0">
+                <a:latin typeface="Consolas" panose="020B0609020204030204" pitchFamily="49" charset="0"/>
+              </a:rPr>
+              <a:t>(</a:t>
+            </a:r>
+            <a:r>
+              <a:rPr lang="en-US" altLang="ko-KR" sz="1400" dirty="0" err="1">
+                <a:latin typeface="Consolas" panose="020B0609020204030204" pitchFamily="49" charset="0"/>
+              </a:rPr>
+              <a:t>PythonDictionary</a:t>
+            </a:r>
+            <a:r>
+              <a:rPr lang="en-US" altLang="ko-KR" sz="1400" dirty="0">
+                <a:latin typeface="Consolas" panose="020B0609020204030204" pitchFamily="49" charset="0"/>
+              </a:rPr>
+              <a:t>)</a:t>
+            </a:r>
+            <a:endParaRPr lang="ko-KR" altLang="en-US" sz="1400" dirty="0">
+              <a:latin typeface="Consolas" panose="020B0609020204030204" pitchFamily="49" charset="0"/>
+            </a:endParaRPr>
+          </a:p>
+        </p:txBody>
+      </p:sp>
+      <p:sp>
+        <p:nvSpPr>
+          <p:cNvPr id="33" name="TextBox 32">
+            <a:extLst>
+              <a:ext uri="{FF2B5EF4-FFF2-40B4-BE49-F238E27FC236}">
+                <a16:creationId xmlns:a16="http://schemas.microsoft.com/office/drawing/2014/main" id="{4406172F-7A6B-41AC-ADED-E85740E81BDB}"/>
+              </a:ext>
+            </a:extLst>
+          </p:cNvPr>
+          <p:cNvSpPr txBox="1"/>
+          <p:nvPr/>
+        </p:nvSpPr>
+        <p:spPr>
+          <a:xfrm>
+            <a:off x="7403112" y="4876237"/>
+            <a:ext cx="3049426" cy="307777"/>
+          </a:xfrm>
+          <a:prstGeom prst="rect">
+            <a:avLst/>
+          </a:prstGeom>
+          <a:solidFill>
+            <a:schemeClr val="accent4"/>
+          </a:solidFill>
+        </p:spPr>
+        <p:txBody>
+          <a:bodyPr wrap="square">
+            <a:spAutoFit/>
+          </a:bodyPr>
+          <a:lstStyle/>
+          <a:p>
+            <a:pPr algn="ctr"/>
+            <a:r>
+              <a:rPr lang="en-US" altLang="ko-KR" sz="1400" b="1" dirty="0">
+                <a:latin typeface="Consolas" panose="020B0609020204030204" pitchFamily="49" charset="0"/>
+              </a:rPr>
+              <a:t>Python str, JSON String type</a:t>
+            </a:r>
+            <a:endParaRPr lang="ko-KR" altLang="en-US" sz="1400" b="1" dirty="0">
+              <a:latin typeface="Consolas" panose="020B0609020204030204" pitchFamily="49" charset="0"/>
+            </a:endParaRPr>
+          </a:p>
+        </p:txBody>
+      </p:sp>
+      <p:cxnSp>
+        <p:nvCxnSpPr>
+          <p:cNvPr id="4" name="직선 화살표 연결선 3">
+            <a:extLst>
+              <a:ext uri="{FF2B5EF4-FFF2-40B4-BE49-F238E27FC236}">
+                <a16:creationId xmlns:a16="http://schemas.microsoft.com/office/drawing/2014/main" id="{B726979A-4CAE-462A-BE67-4ECBE9201081}"/>
+              </a:ext>
+            </a:extLst>
+          </p:cNvPr>
+          <p:cNvCxnSpPr>
+            <a:cxnSpLocks/>
+            <a:stCxn id="33" idx="3"/>
+          </p:cNvCxnSpPr>
+          <p:nvPr/>
+        </p:nvCxnSpPr>
+        <p:spPr>
+          <a:xfrm flipV="1">
+            <a:off x="10452538" y="4733816"/>
+            <a:ext cx="0" cy="296310"/>
+          </a:xfrm>
+          <a:prstGeom prst="straightConnector1">
+            <a:avLst/>
+          </a:prstGeom>
+          <a:ln>
+            <a:solidFill>
+              <a:srgbClr val="C00000"/>
+            </a:solidFill>
+            <a:tailEnd type="triangle"/>
+          </a:ln>
+        </p:spPr>
+        <p:style>
+          <a:lnRef idx="1">
+            <a:schemeClr val="accent1"/>
+          </a:lnRef>
+          <a:fillRef idx="0">
+            <a:schemeClr val="accent1"/>
+          </a:fillRef>
+          <a:effectRef idx="0">
+            <a:schemeClr val="accent1"/>
+          </a:effectRef>
+          <a:fontRef idx="minor">
+            <a:schemeClr val="tx1"/>
+          </a:fontRef>
+        </p:style>
+      </p:cxnSp>
+      <p:cxnSp>
+        <p:nvCxnSpPr>
+          <p:cNvPr id="34" name="직선 화살표 연결선 33">
+            <a:extLst>
+              <a:ext uri="{FF2B5EF4-FFF2-40B4-BE49-F238E27FC236}">
+                <a16:creationId xmlns:a16="http://schemas.microsoft.com/office/drawing/2014/main" id="{1BDE18F5-29A6-4629-8F3A-C2E81769E7AA}"/>
+              </a:ext>
+            </a:extLst>
+          </p:cNvPr>
+          <p:cNvCxnSpPr>
+            <a:cxnSpLocks/>
+            <a:stCxn id="33" idx="1"/>
+          </p:cNvCxnSpPr>
+          <p:nvPr/>
+        </p:nvCxnSpPr>
+        <p:spPr>
+          <a:xfrm flipV="1">
+            <a:off x="7403112" y="4733816"/>
+            <a:ext cx="0" cy="296310"/>
+          </a:xfrm>
+          <a:prstGeom prst="straightConnector1">
+            <a:avLst/>
+          </a:prstGeom>
+          <a:ln>
+            <a:solidFill>
+              <a:srgbClr val="C00000"/>
+            </a:solidFill>
+            <a:tailEnd type="triangle"/>
+          </a:ln>
+        </p:spPr>
+        <p:style>
+          <a:lnRef idx="1">
+            <a:schemeClr val="accent1"/>
+          </a:lnRef>
+          <a:fillRef idx="0">
+            <a:schemeClr val="accent1"/>
+          </a:fillRef>
+          <a:effectRef idx="0">
+            <a:schemeClr val="accent1"/>
+          </a:effectRef>
+          <a:fontRef idx="minor">
+            <a:schemeClr val="tx1"/>
+          </a:fontRef>
+        </p:style>
+      </p:cxnSp>
+    </p:spTree>
+    <p:extLst>
+      <p:ext uri="{BB962C8B-B14F-4D97-AF65-F5344CB8AC3E}">
+        <p14:creationId xmlns:p14="http://schemas.microsoft.com/office/powerpoint/2010/main" val="3730899065"/>
+      </p:ext>
+    </p:extLst>
+  </p:cSld>
+  <p:clrMapOvr>
+    <a:masterClrMapping/>
+  </p:clrMapOvr>
+</p:sld>
+</file>
+
+<file path=ppt/slides/slide27.xml><?xml version="1.0" encoding="utf-8"?>
+<p:sld xmlns:a="http://schemas.openxmlformats.org/drawingml/2006/main" xmlns:r="http://schemas.openxmlformats.org/officeDocument/2006/relationships" xmlns:p="http://schemas.openxmlformats.org/presentationml/2006/main">
+  <p:cSld>
+    <p:spTree>
+      <p:nvGrpSpPr>
+        <p:cNvPr id="1" name=""/>
+        <p:cNvGrpSpPr/>
+        <p:nvPr/>
+      </p:nvGrpSpPr>
+      <p:grpSpPr>
+        <a:xfrm>
+          <a:off x="0" y="0"/>
+          <a:ext cx="0" cy="0"/>
+          <a:chOff x="0" y="0"/>
+          <a:chExt cx="0" cy="0"/>
+        </a:xfrm>
+      </p:grpSpPr>
+      <p:pic>
+        <p:nvPicPr>
+          <p:cNvPr id="2" name="그림 1">
+            <a:extLst>
+              <a:ext uri="{FF2B5EF4-FFF2-40B4-BE49-F238E27FC236}">
+                <a16:creationId xmlns:a16="http://schemas.microsoft.com/office/drawing/2014/main" id="{87AE8821-1F8A-4CFF-A28A-1DABBE09C424}"/>
+              </a:ext>
+            </a:extLst>
+          </p:cNvPr>
+          <p:cNvPicPr>
+            <a:picLocks noChangeAspect="1"/>
+          </p:cNvPicPr>
+          <p:nvPr/>
+        </p:nvPicPr>
+        <p:blipFill>
+          <a:blip r:embed="rId2" cstate="hqprint">
+            <a:extLst>
+              <a:ext uri="{28A0092B-C50C-407E-A947-70E740481C1C}">
+                <a14:useLocalDpi xmlns:a14="http://schemas.microsoft.com/office/drawing/2010/main" val="0"/>
+              </a:ext>
+            </a:extLst>
+          </a:blip>
+          <a:stretch>
+            <a:fillRect/>
+          </a:stretch>
+        </p:blipFill>
+        <p:spPr>
+          <a:xfrm rot="16200000">
+            <a:off x="2641218" y="-2807369"/>
+            <a:ext cx="6909564" cy="12283669"/>
+          </a:xfrm>
+          <a:prstGeom prst="rect">
+            <a:avLst/>
+          </a:prstGeom>
+        </p:spPr>
+      </p:pic>
+      <p:sp>
+        <p:nvSpPr>
+          <p:cNvPr id="4" name="TextBox 3">
+            <a:extLst>
+              <a:ext uri="{FF2B5EF4-FFF2-40B4-BE49-F238E27FC236}">
+                <a16:creationId xmlns:a16="http://schemas.microsoft.com/office/drawing/2014/main" id="{89687232-ABB0-457C-AE34-2C5B344CD67D}"/>
+              </a:ext>
+            </a:extLst>
+          </p:cNvPr>
+          <p:cNvSpPr txBox="1"/>
+          <p:nvPr/>
+        </p:nvSpPr>
+        <p:spPr>
+          <a:xfrm>
+            <a:off x="1931929" y="3087491"/>
+            <a:ext cx="9347962" cy="954107"/>
+          </a:xfrm>
+          <a:prstGeom prst="rect">
+            <a:avLst/>
+          </a:prstGeom>
+          <a:noFill/>
+        </p:spPr>
+        <p:txBody>
+          <a:bodyPr wrap="square">
+            <a:spAutoFit/>
+          </a:bodyPr>
+          <a:lstStyle/>
+          <a:p>
+            <a:pPr algn="ctr"/>
+            <a:r>
+              <a:rPr lang="en-US" altLang="ko-KR" sz="3600" b="1" dirty="0">
+                <a:ln w="3175">
+                  <a:solidFill>
+                    <a:schemeClr val="accent5">
+                      <a:lumMod val="50000"/>
+                    </a:schemeClr>
+                  </a:solidFill>
+                  <a:prstDash val="solid"/>
+                </a:ln>
+                <a:solidFill>
+                  <a:schemeClr val="bg1"/>
+                </a:solidFill>
+                <a:effectLst>
+                  <a:glow rad="139700">
+                    <a:schemeClr val="accent2">
+                      <a:satMod val="175000"/>
+                      <a:alpha val="40000"/>
+                    </a:schemeClr>
+                  </a:glow>
+                  <a:outerShdw blurRad="50800" dist="38100" dir="5400000" algn="t" rotWithShape="0">
+                    <a:prstClr val="black">
+                      <a:alpha val="40000"/>
+                    </a:prstClr>
+                  </a:outerShdw>
+                </a:effectLst>
+                <a:latin typeface="Arial Rounded MT Bold" panose="020F0704030504030204" pitchFamily="34" charset="0"/>
+                <a:ea typeface="배달의민족 주아" panose="02020603020101020101" pitchFamily="18" charset="-127"/>
+              </a:rPr>
+              <a:t>Welcome to "Data Structures in Python"</a:t>
+            </a:r>
+          </a:p>
+          <a:p>
+            <a:pPr algn="ctr"/>
+            <a:r>
+              <a:rPr lang="en-US" altLang="ko-KR" sz="2000" b="1" dirty="0">
+                <a:ln w="3175">
+                  <a:solidFill>
+                    <a:schemeClr val="accent5">
+                      <a:lumMod val="50000"/>
+                    </a:schemeClr>
+                  </a:solidFill>
+                  <a:prstDash val="solid"/>
+                </a:ln>
+                <a:effectLst>
+                  <a:glow rad="139700">
+                    <a:schemeClr val="accent2">
+                      <a:satMod val="175000"/>
+                      <a:alpha val="40000"/>
+                    </a:schemeClr>
+                  </a:glow>
+                  <a:outerShdw blurRad="50800" dist="38100" dir="5400000" algn="t" rotWithShape="0">
+                    <a:prstClr val="black">
+                      <a:alpha val="40000"/>
+                    </a:prstClr>
+                  </a:outerShdw>
+                </a:effectLst>
+                <a:latin typeface="Arial Rounded MT Bold" panose="020F0704030504030204" pitchFamily="34" charset="0"/>
+                <a:ea typeface="배달의민족 주아" panose="02020603020101020101" pitchFamily="18" charset="-127"/>
+              </a:rPr>
+              <a:t>Lecture Notes by idebtor@gmail.com, Handong Global University</a:t>
+            </a:r>
+            <a:endParaRPr lang="ko-KR" altLang="en-US" sz="2000" dirty="0"/>
+          </a:p>
+        </p:txBody>
+      </p:sp>
+    </p:spTree>
+    <p:extLst>
+      <p:ext uri="{BB962C8B-B14F-4D97-AF65-F5344CB8AC3E}">
+        <p14:creationId xmlns:p14="http://schemas.microsoft.com/office/powerpoint/2010/main" val="1062615682"/>
+      </p:ext>
+    </p:extLst>
+  </p:cSld>
+  <p:clrMapOvr>
+    <a:masterClrMapping/>
+  </p:clrMapOvr>
+</p:sld>
+</file>
+
 <file path=ppt/slides/slide3.xml><?xml version="1.0" encoding="utf-8"?>
 <p:sld xmlns:a="http://schemas.openxmlformats.org/drawingml/2006/main" xmlns:r="http://schemas.openxmlformats.org/officeDocument/2006/relationships" xmlns:p="http://schemas.openxmlformats.org/presentationml/2006/main">
   <p:cSld>
